--- a/Finalexam/발표/과제피하기 2016182026이동수 2016180028 오시은.pptx
+++ b/Finalexam/발표/과제피하기 2016182026이동수 2016180028 오시은.pptx
@@ -3601,8 +3601,8 @@
           </a:p>
           <a:p>
             <a:r>
-              <a:rPr lang="en-US" altLang="ko-KR" dirty="0" smtClean="0"/>
-              <a:t>2016180028 </a:t>
+              <a:rPr lang="en-US" altLang="ko-KR" smtClean="0"/>
+              <a:t>2016180029 </a:t>
             </a:r>
             <a:r>
               <a:rPr lang="ko-KR" altLang="en-US" dirty="0" smtClean="0"/>
